--- a/vmemSQIssue/vmem_sq_issue.pptx
+++ b/vmemSQIssue/vmem_sq_issue.pptx
@@ -2080,6 +2080,22 @@
             </a:r>
           </a:p>
           <a:p>
+            <a:pPr lvl="1"/>
+            <a:r>
+              <a:rPr lang="en-US" dirty="0"/>
+              <a:t>TA req takes 4 address token, </a:t>
+            </a:r>
+          </a:p>
+          <a:p>
+            <a:pPr marL="367665" lvl="1" indent="0">
+              <a:buNone/>
+            </a:pPr>
+            <a:r>
+              <a:rPr lang="en-US" dirty="0"/>
+              <a:t>   one token takes 4 continues address data(dword)</a:t>
+            </a:r>
+          </a:p>
+          <a:p>
             <a:pPr fontAlgn="auto"/>
             <a:r>
               <a:rPr lang="en-US" dirty="0" err="1"/>
@@ -2094,22 +2110,14 @@
             <a:pPr lvl="1"/>
             <a:r>
               <a:rPr lang="en-US" dirty="0"/>
-              <a:t>4 </a:t>
-            </a:r>
-            <a:r>
-              <a:rPr lang="en-US" dirty="0" err="1"/>
-              <a:t>clk</a:t>
-            </a:r>
-            <a:r>
-              <a:rPr lang="en-US" dirty="0"/>
-              <a:t> per issue per wave</a:t>
+              <a:t>cacheline usage  100%: not block</a:t>
             </a:r>
           </a:p>
           <a:p>
             <a:pPr lvl="1"/>
             <a:r>
               <a:rPr lang="en-US" dirty="0"/>
-              <a:t>will not block</a:t>
+              <a:t>cacheline usage&lt;100%: first 12 issue not block</a:t>
             </a:r>
           </a:p>
           <a:p>
@@ -2117,21 +2125,6 @@
             <a:r>
               <a:rPr lang="en-US" dirty="0"/>
               <a:t>flat_load_dwordx4</a:t>
-            </a:r>
-          </a:p>
-          <a:p>
-            <a:pPr lvl="1"/>
-            <a:r>
-              <a:rPr lang="en-US" dirty="0"/>
-              <a:t>16 </a:t>
-            </a:r>
-            <a:r>
-              <a:rPr lang="en-US" dirty="0" err="1"/>
-              <a:t>clk</a:t>
-            </a:r>
-            <a:r>
-              <a:rPr lang="en-US" dirty="0"/>
-              <a:t> per issue per wave</a:t>
             </a:r>
           </a:p>
           <a:p>
@@ -2178,7 +2171,7 @@
         </p:blipFill>
         <p:spPr>
           <a:xfrm>
-            <a:off x="7381314" y="1225312"/>
+            <a:off x="7606397" y="1087366"/>
             <a:ext cx="3784795" cy="1422473"/>
           </a:xfrm>
           <a:prstGeom prst="rect">
@@ -2214,8 +2207,43 @@
         </p:blipFill>
         <p:spPr>
           <a:xfrm>
-            <a:off x="7381314" y="3178381"/>
+            <a:off x="7621049" y="4181976"/>
             <a:ext cx="3016405" cy="1485976"/>
+          </a:xfrm>
+          <a:prstGeom prst="rect">
+            <a:avLst/>
+          </a:prstGeom>
+        </p:spPr>
+      </p:pic>
+      <p:pic>
+        <p:nvPicPr>
+          <p:cNvPr id="7" name="Picture 6" descr="A picture containing device, train&#10;&#10;Description automatically generated">
+            <a:extLst>
+              <a:ext uri="{FF2B5EF4-FFF2-40B4-BE49-F238E27FC236}">
+                <a16:creationId xmlns:a16="http://schemas.microsoft.com/office/drawing/2014/main" id="{0AF2894A-7407-4DAB-A26F-C648571C68F5}"/>
+              </a:ext>
+            </a:extLst>
+          </p:cNvPr>
+          <p:cNvPicPr>
+            <a:picLocks noChangeAspect="1"/>
+          </p:cNvPicPr>
+          <p:nvPr/>
+        </p:nvPicPr>
+        <p:blipFill rotWithShape="1">
+          <a:blip r:embed="rId4">
+            <a:extLst>
+              <a:ext uri="{28A0092B-C50C-407E-A947-70E740481C1C}">
+                <a14:useLocalDpi xmlns:a14="http://schemas.microsoft.com/office/drawing/2010/main" val="0"/>
+              </a:ext>
+            </a:extLst>
+          </a:blip>
+          <a:srcRect l="10804" t="41268" r="38610" b="-11097"/>
+          <a:stretch/>
+        </p:blipFill>
+        <p:spPr>
+          <a:xfrm>
+            <a:off x="7621049" y="2635435"/>
+            <a:ext cx="4792859" cy="1698365"/>
           </a:xfrm>
           <a:prstGeom prst="rect">
             <a:avLst/>
@@ -3180,6 +3208,15 @@
 </file>
 
 <file path=customXml/item1.xml><?xml version="1.0" encoding="utf-8"?>
+<?mso-contentType ?>
+<FormTemplates xmlns="http://schemas.microsoft.com/sharepoint/v3/contenttype/forms">
+  <Display>DocumentLibraryForm</Display>
+  <Edit>DocumentLibraryForm</Edit>
+  <New>DocumentLibraryForm</New>
+</FormTemplates>
+</file>
+
+<file path=customXml/item2.xml><?xml version="1.0" encoding="utf-8"?>
 <ct:contentTypeSchema xmlns:ct="http://schemas.microsoft.com/office/2006/metadata/contentType" xmlns:ma="http://schemas.microsoft.com/office/2006/metadata/properties/metaAttributes" ct:_="" ma:_="" ma:contentTypeName="Document" ma:contentTypeID="0x010100B040F28C9190714F9051F1661A72B344" ma:contentTypeVersion="0" ma:contentTypeDescription="Create a new document." ma:contentTypeScope="" ma:versionID="b8b95d69f10381dae1e3fc8aa097d9b2">
   <xsd:schema xmlns:xsd="http://www.w3.org/2001/XMLSchema" xmlns:xs="http://www.w3.org/2001/XMLSchema" xmlns:p="http://schemas.microsoft.com/office/2006/metadata/properties" targetNamespace="http://schemas.microsoft.com/office/2006/metadata/properties" ma:root="true" ma:fieldsID="1b05d82d297216baf5b26c55225140df">
     <xsd:element name="properties">
@@ -3293,16 +3330,15 @@
 </ct:contentTypeSchema>
 </file>
 
-<file path=customXml/item2.xml><?xml version="1.0" encoding="utf-8"?>
-<?mso-contentType ?>
-<FormTemplates xmlns="http://schemas.microsoft.com/sharepoint/v3/contenttype/forms">
-  <Display>DocumentLibraryForm</Display>
-  <Edit>DocumentLibraryForm</Edit>
-  <New>DocumentLibraryForm</New>
-</FormTemplates>
+<file path=customXml/itemProps1.xml><?xml version="1.0" encoding="utf-8"?>
+<ds:datastoreItem xmlns:ds="http://schemas.openxmlformats.org/officeDocument/2006/customXml" ds:itemID="{46C7C7BA-398C-443C-9325-A8C61CE3C0A0}">
+  <ds:schemaRefs>
+    <ds:schemaRef ds:uri="http://schemas.microsoft.com/sharepoint/v3/contenttype/forms"/>
+  </ds:schemaRefs>
+</ds:datastoreItem>
 </file>
 
-<file path=customXml/itemProps1.xml><?xml version="1.0" encoding="utf-8"?>
+<file path=customXml/itemProps2.xml><?xml version="1.0" encoding="utf-8"?>
 <ds:datastoreItem xmlns:ds="http://schemas.openxmlformats.org/officeDocument/2006/customXml" ds:itemID="{CB9B9DAE-0203-490A-8CF8-6A331C5A0B02}">
   <ds:schemaRefs>
     <ds:schemaRef ds:uri="http://schemas.microsoft.com/office/2006/metadata/contentType"/>
@@ -3316,12 +3352,4 @@
     <ds:schemaRef ds:uri="http://schemas.microsoft.com/office/infopath/2007/PartnerControls"/>
   </ds:schemaRefs>
 </ds:datastoreItem>
-</file>
-
-<file path=customXml/itemProps2.xml><?xml version="1.0" encoding="utf-8"?>
-<ds:datastoreItem xmlns:ds="http://schemas.openxmlformats.org/officeDocument/2006/customXml" ds:itemID="{46C7C7BA-398C-443C-9325-A8C61CE3C0A0}">
-  <ds:schemaRefs>
-    <ds:schemaRef ds:uri="http://schemas.microsoft.com/sharepoint/v3/contenttype/forms"/>
-  </ds:schemaRefs>
-</ds:datastoreItem>
 </file>
--- a/vmemSQIssue/vmem_sq_issue.pptx
+++ b/vmemSQIssue/vmem_sq_issue.pptx
@@ -5,13 +5,14 @@
     <p:sldMasterId id="2147483891" r:id="rId3"/>
   </p:sldMasterIdLst>
   <p:notesMasterIdLst>
-    <p:notesMasterId r:id="rId5"/>
+    <p:notesMasterId r:id="rId6"/>
   </p:notesMasterIdLst>
   <p:handoutMasterIdLst>
-    <p:handoutMasterId r:id="rId6"/>
+    <p:handoutMasterId r:id="rId7"/>
   </p:handoutMasterIdLst>
   <p:sldIdLst>
     <p:sldId id="297" r:id="rId4"/>
+    <p:sldId id="298" r:id="rId5"/>
   </p:sldIdLst>
   <p:sldSz cx="12188825" cy="6858000"/>
   <p:notesSz cx="6858000" cy="4819650"/>
@@ -146,6 +147,7 @@
         <p14:section name="Default Section" id="{33D7EF61-34E1-4259-909E-D88D36ABF468}">
           <p14:sldIdLst>
             <p14:sldId id="297"/>
+            <p14:sldId id="298"/>
           </p14:sldIdLst>
         </p14:section>
       </p14:sectionLst>
@@ -332,7 +334,7 @@
               <a:pPr>
                 <a:defRPr/>
               </a:pPr>
-              <a:t>8/4/2020</a:t>
+              <a:t>8/5/2020</a:t>
             </a:fld>
             <a:endParaRPr lang="en-US"/>
           </a:p>
@@ -551,7 +553,7 @@
               <a:pPr>
                 <a:defRPr/>
               </a:pPr>
-              <a:t>8/4/2020</a:t>
+              <a:t>8/5/2020</a:t>
             </a:fld>
             <a:endParaRPr lang="en-US"/>
           </a:p>
@@ -2069,32 +2071,166 @@
             <a:pPr lvl="1"/>
             <a:r>
               <a:rPr lang="en-US" dirty="0"/>
-              <a:t>12-depth Instruction buffer per cu (TA?)</a:t>
+              <a:t>12-depth Instruction buffer per wave</a:t>
             </a:r>
           </a:p>
           <a:p>
             <a:pPr lvl="1"/>
             <a:r>
               <a:rPr lang="en-US" dirty="0"/>
-              <a:t>wait TA send back req-ack, then release</a:t>
+              <a:t>wait TA send back req-ack(not data back), then release</a:t>
             </a:r>
           </a:p>
           <a:p>
             <a:pPr lvl="1"/>
             <a:r>
               <a:rPr lang="en-US" dirty="0"/>
-              <a:t>TA req takes 4 address token, </a:t>
-            </a:r>
-          </a:p>
-          <a:p>
-            <a:pPr marL="367665" lvl="1" indent="0">
-              <a:buNone/>
-            </a:pPr>
+              <a:t>TA req takes 4 address token, one token takes 4 continues address data(dword)</a:t>
+            </a:r>
+          </a:p>
+          <a:p>
+            <a:pPr lvl="1"/>
             <a:r>
               <a:rPr lang="en-US" dirty="0"/>
-              <a:t>   one token takes 4 continues address data(dword)</a:t>
-            </a:r>
-          </a:p>
+              <a:t>So if 4</a:t>
+            </a:r>
+            <a:r>
+              <a:rPr lang="en-US" altLang="zh-CN" dirty="0"/>
+              <a:t>wave/cu, flat_load_dwordx4, best coalescing</a:t>
+            </a:r>
+          </a:p>
+          <a:p>
+            <a:pPr lvl="2"/>
+            <a:r>
+              <a:rPr lang="en-US" altLang="zh-CN" dirty="0"/>
+              <a:t>4 thread per req</a:t>
+            </a:r>
+          </a:p>
+          <a:p>
+            <a:pPr lvl="2"/>
+            <a:r>
+              <a:rPr lang="en-US" altLang="zh-CN" dirty="0"/>
+              <a:t>1 wave = 64 thread = 16 req = 16 </a:t>
+            </a:r>
+            <a:r>
+              <a:rPr lang="en-US" altLang="zh-CN" dirty="0" err="1"/>
+              <a:t>clk</a:t>
+            </a:r>
+            <a:endParaRPr lang="en-US" dirty="0"/>
+          </a:p>
+        </p:txBody>
+      </p:sp>
+    </p:spTree>
+    <p:extLst>
+      <p:ext uri="{BB962C8B-B14F-4D97-AF65-F5344CB8AC3E}">
+        <p14:creationId xmlns:p14="http://schemas.microsoft.com/office/powerpoint/2010/main" val="2818605273"/>
+      </p:ext>
+    </p:extLst>
+  </p:cSld>
+  <p:clrMapOvr>
+    <a:masterClrMapping/>
+  </p:clrMapOvr>
+</p:sld>
+</file>
+
+<file path=ppt/slides/slide2.xml><?xml version="1.0" encoding="utf-8"?>
+<p:sld xmlns:a="http://schemas.openxmlformats.org/drawingml/2006/main" xmlns:r="http://schemas.openxmlformats.org/officeDocument/2006/relationships" xmlns:p="http://schemas.openxmlformats.org/presentationml/2006/main">
+  <p:cSld>
+    <p:spTree>
+      <p:nvGrpSpPr>
+        <p:cNvPr id="1" name=""/>
+        <p:cNvGrpSpPr/>
+        <p:nvPr/>
+      </p:nvGrpSpPr>
+      <p:grpSpPr>
+        <a:xfrm>
+          <a:off x="0" y="0"/>
+          <a:ext cx="0" cy="0"/>
+          <a:chOff x="0" y="0"/>
+          <a:chExt cx="0" cy="0"/>
+        </a:xfrm>
+      </p:grpSpPr>
+      <p:sp>
+        <p:nvSpPr>
+          <p:cNvPr id="3" name="Title 2">
+            <a:extLst>
+              <a:ext uri="{FF2B5EF4-FFF2-40B4-BE49-F238E27FC236}">
+                <a16:creationId xmlns:a16="http://schemas.microsoft.com/office/drawing/2014/main" id="{741E1F2B-4C22-438A-8F63-207119D906F7}"/>
+              </a:ext>
+            </a:extLst>
+          </p:cNvPr>
+          <p:cNvSpPr>
+            <a:spLocks noGrp="1"/>
+          </p:cNvSpPr>
+          <p:nvPr>
+            <p:ph type="title"/>
+          </p:nvPr>
+        </p:nvSpPr>
+        <p:spPr/>
+        <p:txBody>
+          <a:bodyPr/>
+          <a:lstStyle/>
+          <a:p>
+            <a:r>
+              <a:rPr lang="en-US" dirty="0"/>
+              <a:t>VMEM PERFORMANCE</a:t>
+            </a:r>
+          </a:p>
+        </p:txBody>
+      </p:sp>
+      <p:sp>
+        <p:nvSpPr>
+          <p:cNvPr id="4" name="Text Placeholder 3">
+            <a:extLst>
+              <a:ext uri="{FF2B5EF4-FFF2-40B4-BE49-F238E27FC236}">
+                <a16:creationId xmlns:a16="http://schemas.microsoft.com/office/drawing/2014/main" id="{C9653D35-850F-42AB-90D3-205819A05123}"/>
+              </a:ext>
+            </a:extLst>
+          </p:cNvPr>
+          <p:cNvSpPr>
+            <a:spLocks noGrp="1"/>
+          </p:cNvSpPr>
+          <p:nvPr>
+            <p:ph type="body" sz="quarter" idx="10"/>
+          </p:nvPr>
+        </p:nvSpPr>
+        <p:spPr/>
+        <p:txBody>
+          <a:bodyPr/>
+          <a:lstStyle/>
+          <a:p>
+            <a:r>
+              <a:rPr lang="en-US" dirty="0"/>
+              <a:t>ISSUE BLOCKING DUE TO SQ BUFFER</a:t>
+            </a:r>
+          </a:p>
+        </p:txBody>
+      </p:sp>
+      <p:sp>
+        <p:nvSpPr>
+          <p:cNvPr id="6" name="Content Placeholder 5">
+            <a:extLst>
+              <a:ext uri="{FF2B5EF4-FFF2-40B4-BE49-F238E27FC236}">
+                <a16:creationId xmlns:a16="http://schemas.microsoft.com/office/drawing/2014/main" id="{70793968-3DAE-4909-B9BB-2D8159C34BD0}"/>
+              </a:ext>
+            </a:extLst>
+          </p:cNvPr>
+          <p:cNvSpPr>
+            <a:spLocks noGrp="1"/>
+          </p:cNvSpPr>
+          <p:nvPr>
+            <p:ph idx="1"/>
+          </p:nvPr>
+        </p:nvSpPr>
+        <p:spPr>
+          <a:xfrm>
+            <a:off x="313244" y="1038224"/>
+            <a:ext cx="11609299" cy="5213093"/>
+          </a:xfrm>
+        </p:spPr>
+        <p:txBody>
+          <a:bodyPr/>
+          <a:lstStyle/>
           <a:p>
             <a:pPr fontAlgn="auto"/>
             <a:r>
@@ -2253,7 +2389,7 @@
     </p:spTree>
     <p:extLst>
       <p:ext uri="{BB962C8B-B14F-4D97-AF65-F5344CB8AC3E}">
-        <p14:creationId xmlns:p14="http://schemas.microsoft.com/office/powerpoint/2010/main" val="2818605273"/>
+        <p14:creationId xmlns:p14="http://schemas.microsoft.com/office/powerpoint/2010/main" val="1238583572"/>
       </p:ext>
     </p:extLst>
   </p:cSld>
@@ -3208,15 +3344,6 @@
 </file>
 
 <file path=customXml/item1.xml><?xml version="1.0" encoding="utf-8"?>
-<?mso-contentType ?>
-<FormTemplates xmlns="http://schemas.microsoft.com/sharepoint/v3/contenttype/forms">
-  <Display>DocumentLibraryForm</Display>
-  <Edit>DocumentLibraryForm</Edit>
-  <New>DocumentLibraryForm</New>
-</FormTemplates>
-</file>
-
-<file path=customXml/item2.xml><?xml version="1.0" encoding="utf-8"?>
 <ct:contentTypeSchema xmlns:ct="http://schemas.microsoft.com/office/2006/metadata/contentType" xmlns:ma="http://schemas.microsoft.com/office/2006/metadata/properties/metaAttributes" ct:_="" ma:_="" ma:contentTypeName="Document" ma:contentTypeID="0x010100B040F28C9190714F9051F1661A72B344" ma:contentTypeVersion="0" ma:contentTypeDescription="Create a new document." ma:contentTypeScope="" ma:versionID="b8b95d69f10381dae1e3fc8aa097d9b2">
   <xsd:schema xmlns:xsd="http://www.w3.org/2001/XMLSchema" xmlns:xs="http://www.w3.org/2001/XMLSchema" xmlns:p="http://schemas.microsoft.com/office/2006/metadata/properties" targetNamespace="http://schemas.microsoft.com/office/2006/metadata/properties" ma:root="true" ma:fieldsID="1b05d82d297216baf5b26c55225140df">
     <xsd:element name="properties">
@@ -3330,15 +3457,16 @@
 </ct:contentTypeSchema>
 </file>
 
-<file path=customXml/itemProps1.xml><?xml version="1.0" encoding="utf-8"?>
-<ds:datastoreItem xmlns:ds="http://schemas.openxmlformats.org/officeDocument/2006/customXml" ds:itemID="{46C7C7BA-398C-443C-9325-A8C61CE3C0A0}">
-  <ds:schemaRefs>
-    <ds:schemaRef ds:uri="http://schemas.microsoft.com/sharepoint/v3/contenttype/forms"/>
-  </ds:schemaRefs>
-</ds:datastoreItem>
+<file path=customXml/item2.xml><?xml version="1.0" encoding="utf-8"?>
+<?mso-contentType ?>
+<FormTemplates xmlns="http://schemas.microsoft.com/sharepoint/v3/contenttype/forms">
+  <Display>DocumentLibraryForm</Display>
+  <Edit>DocumentLibraryForm</Edit>
+  <New>DocumentLibraryForm</New>
+</FormTemplates>
 </file>
 
-<file path=customXml/itemProps2.xml><?xml version="1.0" encoding="utf-8"?>
+<file path=customXml/itemProps1.xml><?xml version="1.0" encoding="utf-8"?>
 <ds:datastoreItem xmlns:ds="http://schemas.openxmlformats.org/officeDocument/2006/customXml" ds:itemID="{CB9B9DAE-0203-490A-8CF8-6A331C5A0B02}">
   <ds:schemaRefs>
     <ds:schemaRef ds:uri="http://schemas.microsoft.com/office/2006/metadata/contentType"/>
@@ -3352,4 +3480,12 @@
     <ds:schemaRef ds:uri="http://schemas.microsoft.com/office/infopath/2007/PartnerControls"/>
   </ds:schemaRefs>
 </ds:datastoreItem>
+</file>
+
+<file path=customXml/itemProps2.xml><?xml version="1.0" encoding="utf-8"?>
+<ds:datastoreItem xmlns:ds="http://schemas.openxmlformats.org/officeDocument/2006/customXml" ds:itemID="{46C7C7BA-398C-443C-9325-A8C61CE3C0A0}">
+  <ds:schemaRefs>
+    <ds:schemaRef ds:uri="http://schemas.microsoft.com/sharepoint/v3/contenttype/forms"/>
+  </ds:schemaRefs>
+</ds:datastoreItem>
 </file>